--- a/dms/change_analysis.pptx
+++ b/dms/change_analysis.pptx
@@ -5,8 +5,12 @@
     <p:sldMasterId id="2147483660" r:id="rId1"/>
   </p:sldMasterIdLst>
   <p:sldIdLst>
-    <p:sldId id="257" r:id="rId2"/>
-    <p:sldId id="258" r:id="rId3"/>
+    <p:sldId id="259" r:id="rId2"/>
+    <p:sldId id="260" r:id="rId3"/>
+    <p:sldId id="261" r:id="rId4"/>
+    <p:sldId id="262" r:id="rId5"/>
+    <p:sldId id="263" r:id="rId6"/>
+    <p:sldId id="264" r:id="rId7"/>
   </p:sldIdLst>
   <p:sldSz cx="9144000" cy="6858000" type="screen4x3"/>
   <p:notesSz cx="6858000" cy="9144000"/>
@@ -255,7 +259,7 @@
           <a:p>
             <a:fld id="{925AB06B-18AD-EC47-A181-9DD49B4CBB40}" type="datetimeFigureOut">
               <a:rPr lang="en-US" smtClean="0"/>
-              <a:t>2/29/20</a:t>
+              <a:t>3/2/20</a:t>
             </a:fld>
             <a:endParaRPr lang="en-US"/>
           </a:p>
@@ -425,7 +429,7 @@
           <a:p>
             <a:fld id="{925AB06B-18AD-EC47-A181-9DD49B4CBB40}" type="datetimeFigureOut">
               <a:rPr lang="en-US" smtClean="0"/>
-              <a:t>2/29/20</a:t>
+              <a:t>3/2/20</a:t>
             </a:fld>
             <a:endParaRPr lang="en-US"/>
           </a:p>
@@ -605,7 +609,7 @@
           <a:p>
             <a:fld id="{925AB06B-18AD-EC47-A181-9DD49B4CBB40}" type="datetimeFigureOut">
               <a:rPr lang="en-US" smtClean="0"/>
-              <a:t>2/29/20</a:t>
+              <a:t>3/2/20</a:t>
             </a:fld>
             <a:endParaRPr lang="en-US"/>
           </a:p>
@@ -775,7 +779,7 @@
           <a:p>
             <a:fld id="{925AB06B-18AD-EC47-A181-9DD49B4CBB40}" type="datetimeFigureOut">
               <a:rPr lang="en-US" smtClean="0"/>
-              <a:t>2/29/20</a:t>
+              <a:t>3/2/20</a:t>
             </a:fld>
             <a:endParaRPr lang="en-US"/>
           </a:p>
@@ -1019,7 +1023,7 @@
           <a:p>
             <a:fld id="{925AB06B-18AD-EC47-A181-9DD49B4CBB40}" type="datetimeFigureOut">
               <a:rPr lang="en-US" smtClean="0"/>
-              <a:t>2/29/20</a:t>
+              <a:t>3/2/20</a:t>
             </a:fld>
             <a:endParaRPr lang="en-US"/>
           </a:p>
@@ -1251,7 +1255,7 @@
           <a:p>
             <a:fld id="{925AB06B-18AD-EC47-A181-9DD49B4CBB40}" type="datetimeFigureOut">
               <a:rPr lang="en-US" smtClean="0"/>
-              <a:t>2/29/20</a:t>
+              <a:t>3/2/20</a:t>
             </a:fld>
             <a:endParaRPr lang="en-US"/>
           </a:p>
@@ -1618,7 +1622,7 @@
           <a:p>
             <a:fld id="{925AB06B-18AD-EC47-A181-9DD49B4CBB40}" type="datetimeFigureOut">
               <a:rPr lang="en-US" smtClean="0"/>
-              <a:t>2/29/20</a:t>
+              <a:t>3/2/20</a:t>
             </a:fld>
             <a:endParaRPr lang="en-US"/>
           </a:p>
@@ -1736,7 +1740,7 @@
           <a:p>
             <a:fld id="{925AB06B-18AD-EC47-A181-9DD49B4CBB40}" type="datetimeFigureOut">
               <a:rPr lang="en-US" smtClean="0"/>
-              <a:t>2/29/20</a:t>
+              <a:t>3/2/20</a:t>
             </a:fld>
             <a:endParaRPr lang="en-US"/>
           </a:p>
@@ -1831,7 +1835,7 @@
           <a:p>
             <a:fld id="{925AB06B-18AD-EC47-A181-9DD49B4CBB40}" type="datetimeFigureOut">
               <a:rPr lang="en-US" smtClean="0"/>
-              <a:t>2/29/20</a:t>
+              <a:t>3/2/20</a:t>
             </a:fld>
             <a:endParaRPr lang="en-US"/>
           </a:p>
@@ -2108,7 +2112,7 @@
           <a:p>
             <a:fld id="{925AB06B-18AD-EC47-A181-9DD49B4CBB40}" type="datetimeFigureOut">
               <a:rPr lang="en-US" smtClean="0"/>
-              <a:t>2/29/20</a:t>
+              <a:t>3/2/20</a:t>
             </a:fld>
             <a:endParaRPr lang="en-US"/>
           </a:p>
@@ -2365,7 +2369,7 @@
           <a:p>
             <a:fld id="{925AB06B-18AD-EC47-A181-9DD49B4CBB40}" type="datetimeFigureOut">
               <a:rPr lang="en-US" smtClean="0"/>
-              <a:t>2/29/20</a:t>
+              <a:t>3/2/20</a:t>
             </a:fld>
             <a:endParaRPr lang="en-US"/>
           </a:p>
@@ -2578,7 +2582,7 @@
           <a:p>
             <a:fld id="{925AB06B-18AD-EC47-A181-9DD49B4CBB40}" type="datetimeFigureOut">
               <a:rPr lang="en-US" smtClean="0"/>
-              <a:t>2/29/20</a:t>
+              <a:t>3/2/20</a:t>
             </a:fld>
             <a:endParaRPr lang="en-US"/>
           </a:p>
@@ -2983,238 +2987,6 @@
           <a:chExt cx="0" cy="0"/>
         </a:xfrm>
       </p:grpSpPr>
-      <mc:AlternateContent xmlns:mc="http://schemas.openxmlformats.org/markup-compatibility/2006">
-        <mc:Choice xmlns:a14="http://schemas.microsoft.com/office/drawing/2010/main" Requires="a14">
-          <p:sp>
-            <p:nvSpPr>
-              <p:cNvPr id="2" name="TextBox 1"/>
-              <p:cNvSpPr txBox="1"/>
-              <p:nvPr/>
-            </p:nvSpPr>
-            <p:spPr>
-              <a:xfrm>
-                <a:off x="867337" y="5863134"/>
-                <a:ext cx="3780202" cy="400110"/>
-              </a:xfrm>
-              <a:prstGeom prst="rect">
-                <a:avLst/>
-              </a:prstGeom>
-              <a:noFill/>
-            </p:spPr>
-            <p:txBody>
-              <a:bodyPr wrap="none" rtlCol="0">
-                <a:spAutoFit/>
-              </a:bodyPr>
-              <a:lstStyle/>
-              <a:p>
-                <a:r>
-                  <a:rPr lang="nb-NO" sz="2000" dirty="0" smtClean="0"/>
-                  <a:t>t_CH1 = </a:t>
-                </a:r>
-                <a:r>
-                  <a:rPr lang="hr-HR" sz="2000" dirty="0" smtClean="0"/>
-                  <a:t>809.639</a:t>
-                </a:r>
-                <a:r>
-                  <a:rPr lang="nb-NO" sz="2000" dirty="0" smtClean="0"/>
-                  <a:t> </a:t>
-                </a:r>
-                <a:r>
-                  <a:rPr lang="nb-NO" sz="2000" dirty="0" err="1" smtClean="0"/>
-                  <a:t>ns</a:t>
-                </a:r>
-                <a:r>
-                  <a:rPr lang="nb-NO" sz="2000" dirty="0" smtClean="0"/>
-                  <a:t> </a:t>
-                </a:r>
-                <a14:m>
-                  <m:oMath xmlns:m="http://schemas.openxmlformats.org/officeDocument/2006/math">
-                    <m:r>
-                      <a:rPr lang="nb-NO" sz="2000" i="1" smtClean="0">
-                        <a:latin typeface="Cambria Math" charset="0"/>
-                        <a:ea typeface="Cambria Math" charset="0"/>
-                        <a:cs typeface="Cambria Math" charset="0"/>
-                      </a:rPr>
-                      <m:t>±</m:t>
-                    </m:r>
-                  </m:oMath>
-                </a14:m>
-                <a:r>
-                  <a:rPr lang="nb-NO" sz="2000" dirty="0" smtClean="0"/>
-                  <a:t> </a:t>
-                </a:r>
-                <a:r>
-                  <a:rPr lang="hr-HR" sz="2000" dirty="0" smtClean="0"/>
-                  <a:t>36.0733</a:t>
-                </a:r>
-                <a:r>
-                  <a:rPr lang="nb-NO" sz="2000" dirty="0" smtClean="0"/>
-                  <a:t> </a:t>
-                </a:r>
-                <a:r>
-                  <a:rPr lang="nb-NO" sz="2000" dirty="0" err="1" smtClean="0"/>
-                  <a:t>ns</a:t>
-                </a:r>
-                <a:endParaRPr lang="en-US" sz="2000" dirty="0"/>
-              </a:p>
-            </p:txBody>
-          </p:sp>
-        </mc:Choice>
-        <mc:Fallback>
-          <p:sp>
-            <p:nvSpPr>
-              <p:cNvPr id="2" name="TextBox 1"/>
-              <p:cNvSpPr txBox="1">
-                <a:spLocks noRot="1" noChangeAspect="1" noMove="1" noResize="1" noEditPoints="1" noAdjustHandles="1" noChangeArrowheads="1" noChangeShapeType="1" noTextEdit="1"/>
-              </p:cNvSpPr>
-              <p:nvPr/>
-            </p:nvSpPr>
-            <p:spPr>
-              <a:xfrm>
-                <a:off x="867337" y="5863134"/>
-                <a:ext cx="3780202" cy="400110"/>
-              </a:xfrm>
-              <a:prstGeom prst="rect">
-                <a:avLst/>
-              </a:prstGeom>
-              <a:blipFill rotWithShape="0">
-                <a:blip r:embed="rId2"/>
-                <a:stretch>
-                  <a:fillRect l="-1613" t="-9231" b="-27692"/>
-                </a:stretch>
-              </a:blipFill>
-            </p:spPr>
-            <p:txBody>
-              <a:bodyPr/>
-              <a:lstStyle/>
-              <a:p>
-                <a:r>
-                  <a:rPr lang="en-US">
-                    <a:noFill/>
-                  </a:rPr>
-                  <a:t> </a:t>
-                </a:r>
-              </a:p>
-            </p:txBody>
-          </p:sp>
-        </mc:Fallback>
-      </mc:AlternateContent>
-      <mc:AlternateContent xmlns:mc="http://schemas.openxmlformats.org/markup-compatibility/2006">
-        <mc:Choice xmlns:a14="http://schemas.microsoft.com/office/drawing/2010/main" Requires="a14">
-          <p:sp>
-            <p:nvSpPr>
-              <p:cNvPr id="5" name="TextBox 4"/>
-              <p:cNvSpPr txBox="1"/>
-              <p:nvPr/>
-            </p:nvSpPr>
-            <p:spPr>
-              <a:xfrm>
-                <a:off x="867337" y="6269431"/>
-                <a:ext cx="3780202" cy="400110"/>
-              </a:xfrm>
-              <a:prstGeom prst="rect">
-                <a:avLst/>
-              </a:prstGeom>
-              <a:noFill/>
-            </p:spPr>
-            <p:txBody>
-              <a:bodyPr wrap="none" rtlCol="0">
-                <a:spAutoFit/>
-              </a:bodyPr>
-              <a:lstStyle/>
-              <a:p>
-                <a:r>
-                  <a:rPr lang="nb-NO" sz="2000" dirty="0" smtClean="0"/>
-                  <a:t>t_CH2 = </a:t>
-                </a:r>
-                <a:r>
-                  <a:rPr lang="is-IS" sz="2000" dirty="0" smtClean="0"/>
-                  <a:t>2220.25</a:t>
-                </a:r>
-                <a:r>
-                  <a:rPr lang="nb-NO" sz="2000" dirty="0" smtClean="0"/>
-                  <a:t> </a:t>
-                </a:r>
-                <a:r>
-                  <a:rPr lang="nb-NO" sz="2000" dirty="0" err="1" smtClean="0"/>
-                  <a:t>ns</a:t>
-                </a:r>
-                <a:r>
-                  <a:rPr lang="nb-NO" sz="2000" dirty="0" smtClean="0"/>
-                  <a:t> </a:t>
-                </a:r>
-                <a14:m>
-                  <m:oMath xmlns:m="http://schemas.openxmlformats.org/officeDocument/2006/math">
-                    <m:r>
-                      <a:rPr lang="nb-NO" sz="2000" i="1" smtClean="0">
-                        <a:latin typeface="Cambria Math" charset="0"/>
-                        <a:ea typeface="Cambria Math" charset="0"/>
-                        <a:cs typeface="Cambria Math" charset="0"/>
-                      </a:rPr>
-                      <m:t>±</m:t>
-                    </m:r>
-                  </m:oMath>
-                </a14:m>
-                <a:r>
-                  <a:rPr lang="nb-NO" sz="2000" dirty="0" smtClean="0"/>
-                  <a:t> </a:t>
-                </a:r>
-                <a:r>
-                  <a:rPr lang="is-IS" sz="2000" dirty="0" smtClean="0"/>
-                  <a:t>19.26775</a:t>
-                </a:r>
-                <a:r>
-                  <a:rPr lang="hr-HR" sz="2000" dirty="0" smtClean="0"/>
-                  <a:t> </a:t>
-                </a:r>
-                <a:r>
-                  <a:rPr lang="nb-NO" sz="2000" dirty="0" smtClean="0"/>
-                  <a:t>ns</a:t>
-                </a:r>
-                <a:endParaRPr lang="en-US" sz="2000" dirty="0"/>
-              </a:p>
-            </p:txBody>
-          </p:sp>
-        </mc:Choice>
-        <mc:Fallback>
-          <p:sp>
-            <p:nvSpPr>
-              <p:cNvPr id="5" name="TextBox 4"/>
-              <p:cNvSpPr txBox="1">
-                <a:spLocks noRot="1" noChangeAspect="1" noMove="1" noResize="1" noEditPoints="1" noAdjustHandles="1" noChangeArrowheads="1" noChangeShapeType="1" noTextEdit="1"/>
-              </p:cNvSpPr>
-              <p:nvPr/>
-            </p:nvSpPr>
-            <p:spPr>
-              <a:xfrm>
-                <a:off x="867337" y="6269431"/>
-                <a:ext cx="3780202" cy="400110"/>
-              </a:xfrm>
-              <a:prstGeom prst="rect">
-                <a:avLst/>
-              </a:prstGeom>
-              <a:blipFill rotWithShape="0">
-                <a:blip r:embed="rId3"/>
-                <a:stretch>
-                  <a:fillRect l="-1613" t="-7576" r="-806" b="-25758"/>
-                </a:stretch>
-              </a:blipFill>
-            </p:spPr>
-            <p:txBody>
-              <a:bodyPr/>
-              <a:lstStyle/>
-              <a:p>
-                <a:r>
-                  <a:rPr lang="en-US">
-                    <a:noFill/>
-                  </a:rPr>
-                  <a:t> </a:t>
-                </a:r>
-              </a:p>
-            </p:txBody>
-          </p:sp>
-        </mc:Fallback>
-      </mc:AlternateContent>
       <p:sp>
         <p:nvSpPr>
           <p:cNvPr id="3" name="TextBox 2"/>
@@ -3224,7 +2996,7 @@
         <p:spPr>
           <a:xfrm>
             <a:off x="0" y="124149"/>
-            <a:ext cx="9039591" cy="523220"/>
+            <a:ext cx="4121962" cy="523220"/>
           </a:xfrm>
           <a:prstGeom prst="rect">
             <a:avLst/>
@@ -3239,19 +3011,7 @@
           <a:p>
             <a:r>
               <a:rPr lang="en-US" sz="2800" b="1" dirty="0" smtClean="0"/>
-              <a:t>Run 11847</a:t>
-            </a:r>
-            <a:r>
-              <a:rPr lang="en-US" sz="2800" dirty="0" smtClean="0"/>
-              <a:t>: </a:t>
-            </a:r>
-            <a:r>
-              <a:rPr lang="en-US" sz="2800" dirty="0" err="1" smtClean="0"/>
-              <a:t>V_anode</a:t>
-            </a:r>
-            <a:r>
-              <a:rPr lang="en-US" sz="2800" dirty="0" smtClean="0"/>
-              <a:t> = +2115V, T=22.2416C, P=765.9918torr</a:t>
+              <a:t>2% Gas-mixture Variations</a:t>
             </a:r>
             <a:endParaRPr lang="en-US" sz="2800" dirty="0"/>
           </a:p>
@@ -3259,32 +3019,129 @@
       </p:sp>
       <p:pic>
         <p:nvPicPr>
-          <p:cNvPr id="6" name="Picture 5"/>
+          <p:cNvPr id="2" name="Picture 1"/>
           <p:cNvPicPr>
             <a:picLocks noChangeAspect="1"/>
           </p:cNvPicPr>
           <p:nvPr/>
         </p:nvPicPr>
         <p:blipFill>
-          <a:blip r:embed="rId4"/>
+          <a:blip r:embed="rId2"/>
           <a:stretch>
             <a:fillRect/>
           </a:stretch>
         </p:blipFill>
         <p:spPr>
           <a:xfrm>
-            <a:off x="981636" y="623926"/>
-            <a:ext cx="6777317" cy="5147896"/>
+            <a:off x="84134" y="583000"/>
+            <a:ext cx="8212701" cy="6274999"/>
           </a:xfrm>
           <a:prstGeom prst="rect">
             <a:avLst/>
           </a:prstGeom>
         </p:spPr>
       </p:pic>
+      <p:sp>
+        <p:nvSpPr>
+          <p:cNvPr id="4" name="Rectangle 3"/>
+          <p:cNvSpPr/>
+          <p:nvPr/>
+        </p:nvSpPr>
+        <p:spPr>
+          <a:xfrm>
+            <a:off x="1559858" y="4095580"/>
+            <a:ext cx="4572000" cy="1477328"/>
+          </a:xfrm>
+          <a:prstGeom prst="rect">
+            <a:avLst/>
+          </a:prstGeom>
+        </p:spPr>
+        <p:txBody>
+          <a:bodyPr>
+            <a:spAutoFit/>
+          </a:bodyPr>
+          <a:lstStyle/>
+          <a:p>
+            <a:r>
+              <a:rPr lang="en-US" dirty="0"/>
+              <a:t>82:18, </a:t>
+            </a:r>
+            <a:r>
+              <a:rPr lang="en-US" dirty="0" err="1"/>
+              <a:t>t_max</a:t>
+            </a:r>
+            <a:r>
+              <a:rPr lang="en-US" dirty="0"/>
+              <a:t>: 2834.81</a:t>
+            </a:r>
+          </a:p>
+          <a:p>
+            <a:r>
+              <a:rPr lang="en-US" dirty="0"/>
+              <a:t>81:19, </a:t>
+            </a:r>
+            <a:r>
+              <a:rPr lang="en-US" dirty="0" err="1"/>
+              <a:t>t_max</a:t>
+            </a:r>
+            <a:r>
+              <a:rPr lang="en-US" dirty="0"/>
+              <a:t>: 2843.67</a:t>
+            </a:r>
+          </a:p>
+          <a:p>
+            <a:r>
+              <a:rPr lang="pt-BR" dirty="0"/>
+              <a:t>80:20, </a:t>
+            </a:r>
+            <a:r>
+              <a:rPr lang="pt-BR" dirty="0" err="1"/>
+              <a:t>t_max</a:t>
+            </a:r>
+            <a:r>
+              <a:rPr lang="pt-BR" dirty="0"/>
+              <a:t>: 2828.87</a:t>
+            </a:r>
+          </a:p>
+          <a:p>
+            <a:r>
+              <a:rPr lang="cs-CZ" dirty="0"/>
+              <a:t>79:21, </a:t>
+            </a:r>
+            <a:r>
+              <a:rPr lang="cs-CZ" dirty="0" err="1"/>
+              <a:t>t_max</a:t>
+            </a:r>
+            <a:r>
+              <a:rPr lang="cs-CZ" dirty="0"/>
+              <a:t>: 2834.61</a:t>
+            </a:r>
+          </a:p>
+          <a:p>
+            <a:r>
+              <a:rPr lang="en-US" dirty="0"/>
+              <a:t>78:22, </a:t>
+            </a:r>
+            <a:r>
+              <a:rPr lang="en-US" dirty="0" err="1"/>
+              <a:t>t_max</a:t>
+            </a:r>
+            <a:r>
+              <a:rPr lang="en-US" dirty="0"/>
+              <a:t>: </a:t>
+            </a:r>
+            <a:r>
+              <a:rPr lang="en-US" dirty="0" smtClean="0"/>
+              <a:t>2847.63</a:t>
+            </a:r>
+            <a:endParaRPr lang="en-US" dirty="0"/>
+          </a:p>
+        </p:txBody>
+      </p:sp>
     </p:spTree>
     <p:extLst>
       <p:ext uri="{BB962C8B-B14F-4D97-AF65-F5344CB8AC3E}">
-        <p14:creationId xmlns:p14="http://schemas.microsoft.com/office/powerpoint/2010/main" val="1205649135"/>
+        <p14:creationId xmlns:p14="http://schemas.microsoft.com/office/powerpoint/2010/main" val="1392227335"/>
       </p:ext>
     </p:extLst>
   </p:cSld>
@@ -3311,6 +3168,36 @@
           <a:chExt cx="0" cy="0"/>
         </a:xfrm>
       </p:grpSpPr>
+      <p:sp>
+        <p:nvSpPr>
+          <p:cNvPr id="3" name="TextBox 2"/>
+          <p:cNvSpPr txBox="1"/>
+          <p:nvPr/>
+        </p:nvSpPr>
+        <p:spPr>
+          <a:xfrm>
+            <a:off x="0" y="124149"/>
+            <a:ext cx="4121962" cy="523220"/>
+          </a:xfrm>
+          <a:prstGeom prst="rect">
+            <a:avLst/>
+          </a:prstGeom>
+          <a:noFill/>
+        </p:spPr>
+        <p:txBody>
+          <a:bodyPr wrap="none" rtlCol="0">
+            <a:spAutoFit/>
+          </a:bodyPr>
+          <a:lstStyle/>
+          <a:p>
+            <a:r>
+              <a:rPr lang="en-US" sz="2800" b="1" dirty="0" smtClean="0"/>
+              <a:t>2% Gas-mixture Variations</a:t>
+            </a:r>
+            <a:endParaRPr lang="en-US" sz="2800" dirty="0"/>
+          </a:p>
+        </p:txBody>
+      </p:sp>
       <p:pic>
         <p:nvPicPr>
           <p:cNvPr id="4" name="Picture 3"/>
@@ -3327,234 +3214,137 @@
         </p:blipFill>
         <p:spPr>
           <a:xfrm>
-            <a:off x="867337" y="720212"/>
-            <a:ext cx="6962305" cy="5070079"/>
+            <a:off x="84134" y="778214"/>
+            <a:ext cx="7957207" cy="6079786"/>
           </a:xfrm>
           <a:prstGeom prst="rect">
             <a:avLst/>
           </a:prstGeom>
         </p:spPr>
       </p:pic>
-      <mc:AlternateContent xmlns:mc="http://schemas.openxmlformats.org/markup-compatibility/2006">
-        <mc:Choice xmlns:a14="http://schemas.microsoft.com/office/drawing/2010/main" Requires="a14">
-          <p:sp>
-            <p:nvSpPr>
-              <p:cNvPr id="2" name="TextBox 1"/>
-              <p:cNvSpPr txBox="1"/>
-              <p:nvPr/>
-            </p:nvSpPr>
-            <p:spPr>
-              <a:xfrm>
-                <a:off x="867337" y="5863134"/>
-                <a:ext cx="3780202" cy="400110"/>
-              </a:xfrm>
-              <a:prstGeom prst="rect">
-                <a:avLst/>
-              </a:prstGeom>
-              <a:noFill/>
-            </p:spPr>
-            <p:txBody>
-              <a:bodyPr wrap="none" rtlCol="0">
-                <a:spAutoFit/>
-              </a:bodyPr>
-              <a:lstStyle/>
-              <a:p>
-                <a:r>
-                  <a:rPr lang="nb-NO" sz="2000" dirty="0" smtClean="0"/>
-                  <a:t>t_CH1 = 729.420 </a:t>
-                </a:r>
-                <a:r>
-                  <a:rPr lang="nb-NO" sz="2000" dirty="0" err="1" smtClean="0"/>
-                  <a:t>ns</a:t>
-                </a:r>
-                <a:r>
-                  <a:rPr lang="nb-NO" sz="2000" dirty="0" smtClean="0"/>
-                  <a:t> </a:t>
-                </a:r>
-                <a14:m>
-                  <m:oMath xmlns:m="http://schemas.openxmlformats.org/officeDocument/2006/math">
-                    <m:r>
-                      <a:rPr lang="nb-NO" sz="2000" i="1" smtClean="0">
-                        <a:latin typeface="Cambria Math" charset="0"/>
-                        <a:ea typeface="Cambria Math" charset="0"/>
-                        <a:cs typeface="Cambria Math" charset="0"/>
-                      </a:rPr>
-                      <m:t>±</m:t>
-                    </m:r>
-                  </m:oMath>
-                </a14:m>
-                <a:r>
-                  <a:rPr lang="nb-NO" sz="2000" dirty="0" smtClean="0"/>
-                  <a:t> </a:t>
-                </a:r>
-                <a:r>
-                  <a:rPr lang="fi-FI" sz="2000" dirty="0" smtClean="0"/>
-                  <a:t>10.79785</a:t>
-                </a:r>
-                <a:r>
-                  <a:rPr lang="nb-NO" sz="2000" dirty="0" smtClean="0"/>
-                  <a:t> </a:t>
-                </a:r>
-                <a:r>
-                  <a:rPr lang="nb-NO" sz="2000" dirty="0" err="1" smtClean="0"/>
-                  <a:t>ns</a:t>
-                </a:r>
-                <a:endParaRPr lang="en-US" sz="2000" dirty="0"/>
-              </a:p>
-            </p:txBody>
-          </p:sp>
-        </mc:Choice>
-        <mc:Fallback>
-          <p:sp>
-            <p:nvSpPr>
-              <p:cNvPr id="2" name="TextBox 1"/>
-              <p:cNvSpPr txBox="1">
-                <a:spLocks noRot="1" noChangeAspect="1" noMove="1" noResize="1" noEditPoints="1" noAdjustHandles="1" noChangeArrowheads="1" noChangeShapeType="1" noTextEdit="1"/>
-              </p:cNvSpPr>
-              <p:nvPr/>
-            </p:nvSpPr>
-            <p:spPr>
-              <a:xfrm>
-                <a:off x="867337" y="5863134"/>
-                <a:ext cx="3780202" cy="400110"/>
-              </a:xfrm>
-              <a:prstGeom prst="rect">
-                <a:avLst/>
-              </a:prstGeom>
-              <a:blipFill rotWithShape="0">
-                <a:blip r:embed="rId3"/>
-                <a:stretch>
-                  <a:fillRect l="-1613" t="-9231" r="-806" b="-27692"/>
-                </a:stretch>
-              </a:blipFill>
-            </p:spPr>
-            <p:txBody>
-              <a:bodyPr/>
-              <a:lstStyle/>
-              <a:p>
-                <a:r>
-                  <a:rPr lang="en-US">
-                    <a:noFill/>
-                  </a:rPr>
-                  <a:t> </a:t>
-                </a:r>
-              </a:p>
-            </p:txBody>
-          </p:sp>
-        </mc:Fallback>
-      </mc:AlternateContent>
-      <mc:AlternateContent xmlns:mc="http://schemas.openxmlformats.org/markup-compatibility/2006">
-        <mc:Choice xmlns:a14="http://schemas.microsoft.com/office/drawing/2010/main" Requires="a14">
-          <p:sp>
-            <p:nvSpPr>
-              <p:cNvPr id="5" name="TextBox 4"/>
-              <p:cNvSpPr txBox="1"/>
-              <p:nvPr/>
-            </p:nvSpPr>
-            <p:spPr>
-              <a:xfrm>
-                <a:off x="867337" y="6269431"/>
-                <a:ext cx="3650358" cy="400110"/>
-              </a:xfrm>
-              <a:prstGeom prst="rect">
-                <a:avLst/>
-              </a:prstGeom>
-              <a:noFill/>
-            </p:spPr>
-            <p:txBody>
-              <a:bodyPr wrap="none" rtlCol="0">
-                <a:spAutoFit/>
-              </a:bodyPr>
-              <a:lstStyle/>
-              <a:p>
-                <a:r>
-                  <a:rPr lang="nb-NO" sz="2000" dirty="0" smtClean="0"/>
-                  <a:t>t_CH2 = </a:t>
-                </a:r>
-                <a:r>
-                  <a:rPr lang="hr-HR" sz="2000" dirty="0" smtClean="0"/>
-                  <a:t>2183.07</a:t>
-                </a:r>
-                <a:r>
-                  <a:rPr lang="nb-NO" sz="2000" dirty="0" smtClean="0"/>
-                  <a:t> </a:t>
-                </a:r>
-                <a:r>
-                  <a:rPr lang="nb-NO" sz="2000" dirty="0" err="1" smtClean="0"/>
-                  <a:t>ns</a:t>
-                </a:r>
-                <a:r>
-                  <a:rPr lang="nb-NO" sz="2000" dirty="0" smtClean="0"/>
-                  <a:t> </a:t>
-                </a:r>
-                <a14:m>
-                  <m:oMath xmlns:m="http://schemas.openxmlformats.org/officeDocument/2006/math">
-                    <m:r>
-                      <a:rPr lang="nb-NO" sz="2000" i="1" smtClean="0">
-                        <a:latin typeface="Cambria Math" charset="0"/>
-                        <a:ea typeface="Cambria Math" charset="0"/>
-                        <a:cs typeface="Cambria Math" charset="0"/>
-                      </a:rPr>
-                      <m:t>±</m:t>
-                    </m:r>
-                  </m:oMath>
-                </a14:m>
-                <a:r>
-                  <a:rPr lang="nb-NO" sz="2000" dirty="0" smtClean="0"/>
-                  <a:t> </a:t>
-                </a:r>
-                <a:r>
-                  <a:rPr lang="hr-HR" sz="2000" dirty="0" smtClean="0"/>
-                  <a:t>36.7453 </a:t>
-                </a:r>
-                <a:r>
-                  <a:rPr lang="nb-NO" sz="2000" dirty="0" smtClean="0"/>
-                  <a:t>ns</a:t>
-                </a:r>
-                <a:endParaRPr lang="en-US" sz="2000" dirty="0"/>
-              </a:p>
-            </p:txBody>
-          </p:sp>
-        </mc:Choice>
-        <mc:Fallback>
-          <p:sp>
-            <p:nvSpPr>
-              <p:cNvPr id="5" name="TextBox 4"/>
-              <p:cNvSpPr txBox="1">
-                <a:spLocks noRot="1" noChangeAspect="1" noMove="1" noResize="1" noEditPoints="1" noAdjustHandles="1" noChangeArrowheads="1" noChangeShapeType="1" noTextEdit="1"/>
-              </p:cNvSpPr>
-              <p:nvPr/>
-            </p:nvSpPr>
-            <p:spPr>
-              <a:xfrm>
-                <a:off x="867337" y="6269431"/>
-                <a:ext cx="3650358" cy="400110"/>
-              </a:xfrm>
-              <a:prstGeom prst="rect">
-                <a:avLst/>
-              </a:prstGeom>
-              <a:blipFill rotWithShape="0">
-                <a:blip r:embed="rId4"/>
-                <a:stretch>
-                  <a:fillRect l="-1669" t="-7576" r="-668" b="-25758"/>
-                </a:stretch>
-              </a:blipFill>
-            </p:spPr>
-            <p:txBody>
-              <a:bodyPr/>
-              <a:lstStyle/>
-              <a:p>
-                <a:r>
-                  <a:rPr lang="en-US">
-                    <a:noFill/>
-                  </a:rPr>
-                  <a:t> </a:t>
-                </a:r>
-              </a:p>
-            </p:txBody>
-          </p:sp>
-        </mc:Fallback>
-      </mc:AlternateContent>
+      <p:sp>
+        <p:nvSpPr>
+          <p:cNvPr id="5" name="Rectangle 4"/>
+          <p:cNvSpPr/>
+          <p:nvPr/>
+        </p:nvSpPr>
+        <p:spPr>
+          <a:xfrm>
+            <a:off x="1411942" y="4357771"/>
+            <a:ext cx="4572000" cy="1477328"/>
+          </a:xfrm>
+          <a:prstGeom prst="rect">
+            <a:avLst/>
+          </a:prstGeom>
+        </p:spPr>
+        <p:txBody>
+          <a:bodyPr>
+            <a:spAutoFit/>
+          </a:bodyPr>
+          <a:lstStyle/>
+          <a:p>
+            <a:r>
+              <a:rPr lang="en-US" dirty="0"/>
+              <a:t>82:18, </a:t>
+            </a:r>
+            <a:r>
+              <a:rPr lang="en-US" dirty="0" err="1"/>
+              <a:t>phi_max</a:t>
+            </a:r>
+            <a:r>
+              <a:rPr lang="en-US" dirty="0"/>
+              <a:t>: 0.789483</a:t>
+            </a:r>
+          </a:p>
+          <a:p>
+            <a:r>
+              <a:rPr lang="en-US" dirty="0"/>
+              <a:t>81:19, </a:t>
+            </a:r>
+            <a:r>
+              <a:rPr lang="en-US" dirty="0" err="1"/>
+              <a:t>phi_max</a:t>
+            </a:r>
+            <a:r>
+              <a:rPr lang="en-US" dirty="0"/>
+              <a:t>: 0.774728</a:t>
+            </a:r>
+          </a:p>
+          <a:p>
+            <a:r>
+              <a:rPr lang="en-US" dirty="0"/>
+              <a:t>80:20, </a:t>
+            </a:r>
+            <a:r>
+              <a:rPr lang="en-US" dirty="0" err="1"/>
+              <a:t>phi_max</a:t>
+            </a:r>
+            <a:r>
+              <a:rPr lang="en-US" dirty="0"/>
+              <a:t>: 0.762025</a:t>
+            </a:r>
+          </a:p>
+          <a:p>
+            <a:r>
+              <a:rPr lang="en-US" dirty="0"/>
+              <a:t>79:21, </a:t>
+            </a:r>
+            <a:r>
+              <a:rPr lang="en-US" dirty="0" err="1"/>
+              <a:t>phi_max</a:t>
+            </a:r>
+            <a:r>
+              <a:rPr lang="en-US" dirty="0"/>
+              <a:t>: 0.742272</a:t>
+            </a:r>
+          </a:p>
+          <a:p>
+            <a:r>
+              <a:rPr lang="en-US" dirty="0"/>
+              <a:t>78:22, </a:t>
+            </a:r>
+            <a:r>
+              <a:rPr lang="en-US" dirty="0" err="1"/>
+              <a:t>phi_max</a:t>
+            </a:r>
+            <a:r>
+              <a:rPr lang="en-US" dirty="0"/>
+              <a:t>: 0.728091</a:t>
+            </a:r>
+            <a:endParaRPr lang="en-US" dirty="0"/>
+          </a:p>
+        </p:txBody>
+      </p:sp>
+    </p:spTree>
+    <p:extLst>
+      <p:ext uri="{BB962C8B-B14F-4D97-AF65-F5344CB8AC3E}">
+        <p14:creationId xmlns:p14="http://schemas.microsoft.com/office/powerpoint/2010/main" val="1284335804"/>
+      </p:ext>
+    </p:extLst>
+  </p:cSld>
+  <p:clrMapOvr>
+    <a:masterClrMapping/>
+  </p:clrMapOvr>
+</p:sld>
+</file>
+
+<file path=ppt/slides/slide3.xml><?xml version="1.0" encoding="utf-8"?>
+<p:sld xmlns:a="http://schemas.openxmlformats.org/drawingml/2006/main" xmlns:r="http://schemas.openxmlformats.org/officeDocument/2006/relationships" xmlns:p="http://schemas.openxmlformats.org/presentationml/2006/main">
+  <p:cSld>
+    <p:spTree>
+      <p:nvGrpSpPr>
+        <p:cNvPr id="1" name=""/>
+        <p:cNvGrpSpPr/>
+        <p:nvPr/>
+      </p:nvGrpSpPr>
+      <p:grpSpPr>
+        <a:xfrm>
+          <a:off x="0" y="0"/>
+          <a:ext cx="0" cy="0"/>
+          <a:chOff x="0" y="0"/>
+          <a:chExt cx="0" cy="0"/>
+        </a:xfrm>
+      </p:grpSpPr>
       <p:sp>
         <p:nvSpPr>
           <p:cNvPr id="3" name="TextBox 2"/>
@@ -3564,7 +3354,7 @@
         <p:spPr>
           <a:xfrm>
             <a:off x="0" y="124149"/>
-            <a:ext cx="9108519" cy="523220"/>
+            <a:ext cx="3572966" cy="523220"/>
           </a:xfrm>
           <a:prstGeom prst="rect">
             <a:avLst/>
@@ -3578,33 +3368,814 @@
           <a:lstStyle/>
           <a:p>
             <a:r>
+              <a:rPr lang="en-US" sz="2800" b="1" dirty="0"/>
+              <a:t>1</a:t>
+            </a:r>
+            <a:r>
               <a:rPr lang="en-US" sz="2800" b="1" dirty="0" smtClean="0"/>
-              <a:t>Run 11892</a:t>
-            </a:r>
-            <a:r>
-              <a:rPr lang="en-US" sz="2800" dirty="0" smtClean="0"/>
+              <a:t>% Pressure Variations</a:t>
+            </a:r>
+            <a:endParaRPr lang="en-US" sz="2800" dirty="0"/>
+          </a:p>
+        </p:txBody>
+      </p:sp>
+      <p:pic>
+        <p:nvPicPr>
+          <p:cNvPr id="2" name="Picture 1"/>
+          <p:cNvPicPr>
+            <a:picLocks noChangeAspect="1"/>
+          </p:cNvPicPr>
+          <p:nvPr/>
+        </p:nvPicPr>
+        <p:blipFill>
+          <a:blip r:embed="rId2"/>
+          <a:stretch>
+            <a:fillRect/>
+          </a:stretch>
+        </p:blipFill>
+        <p:spPr>
+          <a:xfrm>
+            <a:off x="0" y="766481"/>
+            <a:ext cx="8300481" cy="5927395"/>
+          </a:xfrm>
+          <a:prstGeom prst="rect">
+            <a:avLst/>
+          </a:prstGeom>
+        </p:spPr>
+      </p:pic>
+      <p:sp>
+        <p:nvSpPr>
+          <p:cNvPr id="12" name="TextBox 11"/>
+          <p:cNvSpPr txBox="1"/>
+          <p:nvPr/>
+        </p:nvSpPr>
+        <p:spPr>
+          <a:xfrm>
+            <a:off x="1320354" y="4128247"/>
+            <a:ext cx="2446054" cy="1477328"/>
+          </a:xfrm>
+          <a:prstGeom prst="rect">
+            <a:avLst/>
+          </a:prstGeom>
+          <a:noFill/>
+        </p:spPr>
+        <p:txBody>
+          <a:bodyPr wrap="none" rtlCol="0">
+            <a:spAutoFit/>
+          </a:bodyPr>
+          <a:lstStyle/>
+          <a:p>
+            <a:r>
+              <a:rPr lang="mr-IN" dirty="0" err="1">
+                <a:latin typeface="Calibri" charset="0"/>
+                <a:ea typeface="Calibri" charset="0"/>
+                <a:cs typeface="Calibri" charset="0"/>
+              </a:rPr>
+              <a:t>P</a:t>
+            </a:r>
+            <a:r>
+              <a:rPr lang="mr-IN" dirty="0">
+                <a:latin typeface="Calibri" charset="0"/>
+                <a:ea typeface="Calibri" charset="0"/>
+                <a:cs typeface="Calibri" charset="0"/>
+              </a:rPr>
+              <a:t> = 765, </a:t>
+            </a:r>
+            <a:r>
+              <a:rPr lang="mr-IN" dirty="0" err="1">
+                <a:latin typeface="Calibri" charset="0"/>
+                <a:ea typeface="Calibri" charset="0"/>
+                <a:cs typeface="Calibri" charset="0"/>
+              </a:rPr>
+              <a:t>t_max</a:t>
+            </a:r>
+            <a:r>
+              <a:rPr lang="mr-IN" dirty="0">
+                <a:latin typeface="Calibri" charset="0"/>
+                <a:ea typeface="Calibri" charset="0"/>
+                <a:cs typeface="Calibri" charset="0"/>
+              </a:rPr>
+              <a:t>: 3010.88</a:t>
+            </a:r>
+          </a:p>
+          <a:p>
+            <a:r>
+              <a:rPr lang="mr-IN" dirty="0" err="1">
+                <a:latin typeface="Calibri" charset="0"/>
+                <a:ea typeface="Calibri" charset="0"/>
+                <a:cs typeface="Calibri" charset="0"/>
+              </a:rPr>
+              <a:t>P</a:t>
+            </a:r>
+            <a:r>
+              <a:rPr lang="mr-IN" dirty="0">
+                <a:latin typeface="Calibri" charset="0"/>
+                <a:ea typeface="Calibri" charset="0"/>
+                <a:cs typeface="Calibri" charset="0"/>
+              </a:rPr>
+              <a:t> = 760, </a:t>
+            </a:r>
+            <a:r>
+              <a:rPr lang="mr-IN" dirty="0" err="1">
+                <a:latin typeface="Calibri" charset="0"/>
+                <a:ea typeface="Calibri" charset="0"/>
+                <a:cs typeface="Calibri" charset="0"/>
+              </a:rPr>
+              <a:t>t_max</a:t>
+            </a:r>
+            <a:r>
+              <a:rPr lang="mr-IN" dirty="0">
+                <a:latin typeface="Calibri" charset="0"/>
+                <a:ea typeface="Calibri" charset="0"/>
+                <a:cs typeface="Calibri" charset="0"/>
+              </a:rPr>
+              <a:t>: 3014.41</a:t>
+            </a:r>
+          </a:p>
+          <a:p>
+            <a:r>
+              <a:rPr lang="en-US" dirty="0"/>
+              <a:t>P = 755, </a:t>
+            </a:r>
+            <a:r>
+              <a:rPr lang="en-US" dirty="0" err="1"/>
+              <a:t>t_max</a:t>
+            </a:r>
+            <a:r>
+              <a:rPr lang="en-US" dirty="0"/>
+              <a:t>: 3022</a:t>
+            </a:r>
+          </a:p>
+          <a:p>
+            <a:r>
+              <a:rPr lang="en-US" dirty="0"/>
+              <a:t>P = 750, </a:t>
+            </a:r>
+            <a:r>
+              <a:rPr lang="en-US" dirty="0" err="1"/>
+              <a:t>t_max</a:t>
+            </a:r>
+            <a:r>
+              <a:rPr lang="en-US" dirty="0"/>
+              <a:t>: 3014.21</a:t>
+            </a:r>
+          </a:p>
+          <a:p>
+            <a:r>
+              <a:rPr lang="en-US" dirty="0"/>
+              <a:t>P = 745, </a:t>
+            </a:r>
+            <a:r>
+              <a:rPr lang="en-US" dirty="0" err="1"/>
+              <a:t>t_max</a:t>
+            </a:r>
+            <a:r>
+              <a:rPr lang="en-US" dirty="0"/>
               <a:t>: </a:t>
             </a:r>
             <a:r>
-              <a:rPr lang="en-US" sz="2800" dirty="0" err="1" smtClean="0"/>
-              <a:t>V_anode</a:t>
-            </a:r>
-            <a:r>
-              <a:rPr lang="en-US" sz="2800" dirty="0" smtClean="0"/>
-              <a:t> = +2115V, T=22.5812C, P=751.0872 </a:t>
-            </a:r>
-            <a:r>
-              <a:rPr lang="en-US" sz="2800" dirty="0" err="1" smtClean="0"/>
-              <a:t>torr</a:t>
-            </a:r>
-            <a:endParaRPr lang="en-US" sz="2800" dirty="0"/>
+              <a:rPr lang="en-US" dirty="0" smtClean="0"/>
+              <a:t>3012.23</a:t>
+            </a:r>
+            <a:endParaRPr lang="en-US" dirty="0"/>
           </a:p>
         </p:txBody>
       </p:sp>
     </p:spTree>
     <p:extLst>
       <p:ext uri="{BB962C8B-B14F-4D97-AF65-F5344CB8AC3E}">
-        <p14:creationId xmlns:p14="http://schemas.microsoft.com/office/powerpoint/2010/main" val="954558445"/>
+        <p14:creationId xmlns:p14="http://schemas.microsoft.com/office/powerpoint/2010/main" val="1175320137"/>
+      </p:ext>
+    </p:extLst>
+  </p:cSld>
+  <p:clrMapOvr>
+    <a:masterClrMapping/>
+  </p:clrMapOvr>
+</p:sld>
+</file>
+
+<file path=ppt/slides/slide4.xml><?xml version="1.0" encoding="utf-8"?>
+<p:sld xmlns:a="http://schemas.openxmlformats.org/drawingml/2006/main" xmlns:r="http://schemas.openxmlformats.org/officeDocument/2006/relationships" xmlns:p="http://schemas.openxmlformats.org/presentationml/2006/main">
+  <p:cSld>
+    <p:spTree>
+      <p:nvGrpSpPr>
+        <p:cNvPr id="1" name=""/>
+        <p:cNvGrpSpPr/>
+        <p:nvPr/>
+      </p:nvGrpSpPr>
+      <p:grpSpPr>
+        <a:xfrm>
+          <a:off x="0" y="0"/>
+          <a:ext cx="0" cy="0"/>
+          <a:chOff x="0" y="0"/>
+          <a:chExt cx="0" cy="0"/>
+        </a:xfrm>
+      </p:grpSpPr>
+      <p:sp>
+        <p:nvSpPr>
+          <p:cNvPr id="3" name="TextBox 2"/>
+          <p:cNvSpPr txBox="1"/>
+          <p:nvPr/>
+        </p:nvSpPr>
+        <p:spPr>
+          <a:xfrm>
+            <a:off x="0" y="124149"/>
+            <a:ext cx="3572966" cy="523220"/>
+          </a:xfrm>
+          <a:prstGeom prst="rect">
+            <a:avLst/>
+          </a:prstGeom>
+          <a:noFill/>
+        </p:spPr>
+        <p:txBody>
+          <a:bodyPr wrap="none" rtlCol="0">
+            <a:spAutoFit/>
+          </a:bodyPr>
+          <a:lstStyle/>
+          <a:p>
+            <a:r>
+              <a:rPr lang="en-US" sz="2800" b="1" dirty="0"/>
+              <a:t>1</a:t>
+            </a:r>
+            <a:r>
+              <a:rPr lang="en-US" sz="2800" b="1" dirty="0" smtClean="0"/>
+              <a:t>% Pressure Variations</a:t>
+            </a:r>
+            <a:endParaRPr lang="en-US" sz="2800" dirty="0"/>
+          </a:p>
+        </p:txBody>
+      </p:sp>
+      <p:pic>
+        <p:nvPicPr>
+          <p:cNvPr id="2" name="Picture 1"/>
+          <p:cNvPicPr>
+            <a:picLocks noChangeAspect="1"/>
+          </p:cNvPicPr>
+          <p:nvPr/>
+        </p:nvPicPr>
+        <p:blipFill>
+          <a:blip r:embed="rId2"/>
+          <a:stretch>
+            <a:fillRect/>
+          </a:stretch>
+        </p:blipFill>
+        <p:spPr>
+          <a:xfrm>
+            <a:off x="94130" y="759500"/>
+            <a:ext cx="8404412" cy="6001612"/>
+          </a:xfrm>
+          <a:prstGeom prst="rect">
+            <a:avLst/>
+          </a:prstGeom>
+        </p:spPr>
+      </p:pic>
+      <p:sp>
+        <p:nvSpPr>
+          <p:cNvPr id="11" name="Rectangle 10"/>
+          <p:cNvSpPr/>
+          <p:nvPr/>
+        </p:nvSpPr>
+        <p:spPr>
+          <a:xfrm>
+            <a:off x="1286966" y="4330877"/>
+            <a:ext cx="4572000" cy="1477328"/>
+          </a:xfrm>
+          <a:prstGeom prst="rect">
+            <a:avLst/>
+          </a:prstGeom>
+        </p:spPr>
+        <p:txBody>
+          <a:bodyPr>
+            <a:spAutoFit/>
+          </a:bodyPr>
+          <a:lstStyle/>
+          <a:p>
+            <a:r>
+              <a:rPr lang="en-US" dirty="0"/>
+              <a:t>P = 765, </a:t>
+            </a:r>
+            <a:r>
+              <a:rPr lang="en-US" dirty="0" err="1"/>
+              <a:t>phi_max</a:t>
+            </a:r>
+            <a:r>
+              <a:rPr lang="en-US" dirty="0"/>
+              <a:t>: 0.805438</a:t>
+            </a:r>
+          </a:p>
+          <a:p>
+            <a:r>
+              <a:rPr lang="en-US" dirty="0"/>
+              <a:t>P = 760, </a:t>
+            </a:r>
+            <a:r>
+              <a:rPr lang="en-US" dirty="0" err="1"/>
+              <a:t>phi_max</a:t>
+            </a:r>
+            <a:r>
+              <a:rPr lang="en-US" dirty="0"/>
+              <a:t>: 0.811303</a:t>
+            </a:r>
+          </a:p>
+          <a:p>
+            <a:r>
+              <a:rPr lang="en-US" dirty="0"/>
+              <a:t>P = 755, </a:t>
+            </a:r>
+            <a:r>
+              <a:rPr lang="en-US" dirty="0" err="1"/>
+              <a:t>phi_max</a:t>
+            </a:r>
+            <a:r>
+              <a:rPr lang="en-US" dirty="0"/>
+              <a:t>: 0.816793</a:t>
+            </a:r>
+          </a:p>
+          <a:p>
+            <a:r>
+              <a:rPr lang="en-US" dirty="0"/>
+              <a:t>P = 750, </a:t>
+            </a:r>
+            <a:r>
+              <a:rPr lang="en-US" dirty="0" err="1"/>
+              <a:t>phi_max</a:t>
+            </a:r>
+            <a:r>
+              <a:rPr lang="en-US" dirty="0"/>
+              <a:t>: 0.828844</a:t>
+            </a:r>
+          </a:p>
+          <a:p>
+            <a:r>
+              <a:rPr lang="en-US" dirty="0"/>
+              <a:t>P = 745, </a:t>
+            </a:r>
+            <a:r>
+              <a:rPr lang="en-US" dirty="0" err="1"/>
+              <a:t>phi_max</a:t>
+            </a:r>
+            <a:r>
+              <a:rPr lang="en-US" dirty="0"/>
+              <a:t>: 0.824742</a:t>
+            </a:r>
+            <a:endParaRPr lang="en-US" dirty="0"/>
+          </a:p>
+        </p:txBody>
+      </p:sp>
+    </p:spTree>
+    <p:extLst>
+      <p:ext uri="{BB962C8B-B14F-4D97-AF65-F5344CB8AC3E}">
+        <p14:creationId xmlns:p14="http://schemas.microsoft.com/office/powerpoint/2010/main" val="547965322"/>
+      </p:ext>
+    </p:extLst>
+  </p:cSld>
+  <p:clrMapOvr>
+    <a:masterClrMapping/>
+  </p:clrMapOvr>
+</p:sld>
+</file>
+
+<file path=ppt/slides/slide5.xml><?xml version="1.0" encoding="utf-8"?>
+<p:sld xmlns:a="http://schemas.openxmlformats.org/drawingml/2006/main" xmlns:r="http://schemas.openxmlformats.org/officeDocument/2006/relationships" xmlns:p="http://schemas.openxmlformats.org/presentationml/2006/main">
+  <p:cSld>
+    <p:spTree>
+      <p:nvGrpSpPr>
+        <p:cNvPr id="1" name=""/>
+        <p:cNvGrpSpPr/>
+        <p:nvPr/>
+      </p:nvGrpSpPr>
+      <p:grpSpPr>
+        <a:xfrm>
+          <a:off x="0" y="0"/>
+          <a:ext cx="0" cy="0"/>
+          <a:chOff x="0" y="0"/>
+          <a:chExt cx="0" cy="0"/>
+        </a:xfrm>
+      </p:grpSpPr>
+      <p:pic>
+        <p:nvPicPr>
+          <p:cNvPr id="6" name="Picture 5"/>
+          <p:cNvPicPr>
+            <a:picLocks noChangeAspect="1"/>
+          </p:cNvPicPr>
+          <p:nvPr/>
+        </p:nvPicPr>
+        <p:blipFill>
+          <a:blip r:embed="rId2"/>
+          <a:stretch>
+            <a:fillRect/>
+          </a:stretch>
+        </p:blipFill>
+        <p:spPr>
+          <a:xfrm>
+            <a:off x="84134" y="356964"/>
+            <a:ext cx="8508537" cy="6501036"/>
+          </a:xfrm>
+          <a:prstGeom prst="rect">
+            <a:avLst/>
+          </a:prstGeom>
+        </p:spPr>
+      </p:pic>
+      <p:sp>
+        <p:nvSpPr>
+          <p:cNvPr id="3" name="TextBox 2"/>
+          <p:cNvSpPr txBox="1"/>
+          <p:nvPr/>
+        </p:nvSpPr>
+        <p:spPr>
+          <a:xfrm>
+            <a:off x="0" y="124149"/>
+            <a:ext cx="3955122" cy="523220"/>
+          </a:xfrm>
+          <a:prstGeom prst="rect">
+            <a:avLst/>
+          </a:prstGeom>
+          <a:noFill/>
+        </p:spPr>
+        <p:txBody>
+          <a:bodyPr wrap="none" rtlCol="0">
+            <a:spAutoFit/>
+          </a:bodyPr>
+          <a:lstStyle/>
+          <a:p>
+            <a:r>
+              <a:rPr lang="en-US" sz="2800" b="1" dirty="0" smtClean="0"/>
+              <a:t>B-field, </a:t>
+            </a:r>
+            <a:r>
+              <a:rPr lang="en-US" sz="2800" b="1" dirty="0" err="1" smtClean="0"/>
+              <a:t>V_drift</a:t>
+            </a:r>
+            <a:r>
+              <a:rPr lang="en-US" sz="2800" b="1" dirty="0" smtClean="0"/>
+              <a:t> Variations</a:t>
+            </a:r>
+            <a:endParaRPr lang="en-US" sz="2800" dirty="0"/>
+          </a:p>
+        </p:txBody>
+      </p:sp>
+      <p:sp>
+        <p:nvSpPr>
+          <p:cNvPr id="8" name="Rectangle 7"/>
+          <p:cNvSpPr/>
+          <p:nvPr/>
+        </p:nvSpPr>
+        <p:spPr>
+          <a:xfrm>
+            <a:off x="1573306" y="4494988"/>
+            <a:ext cx="4572000" cy="1200329"/>
+          </a:xfrm>
+          <a:prstGeom prst="rect">
+            <a:avLst/>
+          </a:prstGeom>
+        </p:spPr>
+        <p:txBody>
+          <a:bodyPr>
+            <a:spAutoFit/>
+          </a:bodyPr>
+          <a:lstStyle/>
+          <a:p>
+            <a:r>
+              <a:rPr lang="hr-HR" dirty="0">
+                <a:latin typeface="Calibri" charset="0"/>
+                <a:ea typeface="Calibri" charset="0"/>
+                <a:cs typeface="Calibri" charset="0"/>
+              </a:rPr>
+              <a:t>B = 3.8T, V = 4.5kV, </a:t>
+            </a:r>
+            <a:r>
+              <a:rPr lang="hr-HR" dirty="0" err="1">
+                <a:latin typeface="Calibri" charset="0"/>
+                <a:ea typeface="Calibri" charset="0"/>
+                <a:cs typeface="Calibri" charset="0"/>
+              </a:rPr>
+              <a:t>t_max</a:t>
+            </a:r>
+            <a:r>
+              <a:rPr lang="hr-HR" dirty="0">
+                <a:latin typeface="Calibri" charset="0"/>
+                <a:ea typeface="Calibri" charset="0"/>
+                <a:cs typeface="Calibri" charset="0"/>
+              </a:rPr>
+              <a:t>: 2953.03</a:t>
+            </a:r>
+          </a:p>
+          <a:p>
+            <a:r>
+              <a:rPr lang="mr-IN" dirty="0" err="1">
+                <a:latin typeface="Calibri" charset="0"/>
+                <a:ea typeface="Calibri" charset="0"/>
+                <a:cs typeface="Calibri" charset="0"/>
+              </a:rPr>
+              <a:t>B</a:t>
+            </a:r>
+            <a:r>
+              <a:rPr lang="mr-IN" dirty="0">
+                <a:latin typeface="Calibri" charset="0"/>
+                <a:ea typeface="Calibri" charset="0"/>
+                <a:cs typeface="Calibri" charset="0"/>
+              </a:rPr>
+              <a:t> = 4T , V= 4.5kV, </a:t>
+            </a:r>
+            <a:r>
+              <a:rPr lang="mr-IN" dirty="0" err="1">
+                <a:latin typeface="Calibri" charset="0"/>
+                <a:ea typeface="Calibri" charset="0"/>
+                <a:cs typeface="Calibri" charset="0"/>
+              </a:rPr>
+              <a:t>t_max</a:t>
+            </a:r>
+            <a:r>
+              <a:rPr lang="mr-IN" dirty="0">
+                <a:latin typeface="Calibri" charset="0"/>
+                <a:ea typeface="Calibri" charset="0"/>
+                <a:cs typeface="Calibri" charset="0"/>
+              </a:rPr>
+              <a:t>: 3188.73</a:t>
+            </a:r>
+          </a:p>
+          <a:p>
+            <a:r>
+              <a:rPr lang="mr-IN" dirty="0" err="1">
+                <a:latin typeface="Calibri" charset="0"/>
+                <a:ea typeface="Calibri" charset="0"/>
+                <a:cs typeface="Calibri" charset="0"/>
+              </a:rPr>
+              <a:t>B</a:t>
+            </a:r>
+            <a:r>
+              <a:rPr lang="mr-IN" dirty="0">
+                <a:latin typeface="Calibri" charset="0"/>
+                <a:ea typeface="Calibri" charset="0"/>
+                <a:cs typeface="Calibri" charset="0"/>
+              </a:rPr>
+              <a:t> = 4.5T, V=4.5kV, </a:t>
+            </a:r>
+            <a:r>
+              <a:rPr lang="mr-IN" dirty="0" err="1">
+                <a:latin typeface="Calibri" charset="0"/>
+                <a:ea typeface="Calibri" charset="0"/>
+                <a:cs typeface="Calibri" charset="0"/>
+              </a:rPr>
+              <a:t>t_max</a:t>
+            </a:r>
+            <a:r>
+              <a:rPr lang="mr-IN" dirty="0">
+                <a:latin typeface="Calibri" charset="0"/>
+                <a:ea typeface="Calibri" charset="0"/>
+                <a:cs typeface="Calibri" charset="0"/>
+              </a:rPr>
+              <a:t>: 3517.41</a:t>
+            </a:r>
+          </a:p>
+          <a:p>
+            <a:r>
+              <a:rPr lang="mr-IN" dirty="0" err="1">
+                <a:latin typeface="Calibri" charset="0"/>
+                <a:ea typeface="Calibri" charset="0"/>
+                <a:cs typeface="Calibri" charset="0"/>
+              </a:rPr>
+              <a:t>B</a:t>
+            </a:r>
+            <a:r>
+              <a:rPr lang="mr-IN" dirty="0">
+                <a:latin typeface="Calibri" charset="0"/>
+                <a:ea typeface="Calibri" charset="0"/>
+                <a:cs typeface="Calibri" charset="0"/>
+              </a:rPr>
+              <a:t> = 3.8 </a:t>
+            </a:r>
+            <a:r>
+              <a:rPr lang="mr-IN" dirty="0" err="1">
+                <a:latin typeface="Calibri" charset="0"/>
+                <a:ea typeface="Calibri" charset="0"/>
+                <a:cs typeface="Calibri" charset="0"/>
+              </a:rPr>
+              <a:t>T</a:t>
+            </a:r>
+            <a:r>
+              <a:rPr lang="mr-IN" dirty="0">
+                <a:latin typeface="Calibri" charset="0"/>
+                <a:ea typeface="Calibri" charset="0"/>
+                <a:cs typeface="Calibri" charset="0"/>
+              </a:rPr>
+              <a:t>, V=4635V, </a:t>
+            </a:r>
+            <a:r>
+              <a:rPr lang="mr-IN" dirty="0" err="1">
+                <a:latin typeface="Calibri" charset="0"/>
+                <a:ea typeface="Calibri" charset="0"/>
+                <a:cs typeface="Calibri" charset="0"/>
+              </a:rPr>
+              <a:t>t_max</a:t>
+            </a:r>
+            <a:r>
+              <a:rPr lang="mr-IN" dirty="0">
+                <a:latin typeface="Calibri" charset="0"/>
+                <a:ea typeface="Calibri" charset="0"/>
+                <a:cs typeface="Calibri" charset="0"/>
+              </a:rPr>
+              <a:t>: </a:t>
+            </a:r>
+            <a:r>
+              <a:rPr lang="mr-IN" dirty="0" smtClean="0">
+                <a:latin typeface="Calibri" charset="0"/>
+                <a:ea typeface="Calibri" charset="0"/>
+                <a:cs typeface="Calibri" charset="0"/>
+              </a:rPr>
+              <a:t>2951.76</a:t>
+            </a:r>
+            <a:endParaRPr lang="mr-IN" dirty="0">
+              <a:latin typeface="Calibri" charset="0"/>
+              <a:ea typeface="Calibri" charset="0"/>
+              <a:cs typeface="Calibri" charset="0"/>
+            </a:endParaRPr>
+          </a:p>
+        </p:txBody>
+      </p:sp>
+    </p:spTree>
+    <p:extLst>
+      <p:ext uri="{BB962C8B-B14F-4D97-AF65-F5344CB8AC3E}">
+        <p14:creationId xmlns:p14="http://schemas.microsoft.com/office/powerpoint/2010/main" val="663423055"/>
+      </p:ext>
+    </p:extLst>
+  </p:cSld>
+  <p:clrMapOvr>
+    <a:masterClrMapping/>
+  </p:clrMapOvr>
+</p:sld>
+</file>
+
+<file path=ppt/slides/slide6.xml><?xml version="1.0" encoding="utf-8"?>
+<p:sld xmlns:a="http://schemas.openxmlformats.org/drawingml/2006/main" xmlns:r="http://schemas.openxmlformats.org/officeDocument/2006/relationships" xmlns:p="http://schemas.openxmlformats.org/presentationml/2006/main">
+  <p:cSld>
+    <p:spTree>
+      <p:nvGrpSpPr>
+        <p:cNvPr id="1" name=""/>
+        <p:cNvGrpSpPr/>
+        <p:nvPr/>
+      </p:nvGrpSpPr>
+      <p:grpSpPr>
+        <a:xfrm>
+          <a:off x="0" y="0"/>
+          <a:ext cx="0" cy="0"/>
+          <a:chOff x="0" y="0"/>
+          <a:chExt cx="0" cy="0"/>
+        </a:xfrm>
+      </p:grpSpPr>
+      <p:sp>
+        <p:nvSpPr>
+          <p:cNvPr id="6" name="TextBox 5"/>
+          <p:cNvSpPr txBox="1"/>
+          <p:nvPr/>
+        </p:nvSpPr>
+        <p:spPr>
+          <a:xfrm>
+            <a:off x="0" y="124149"/>
+            <a:ext cx="3955122" cy="523220"/>
+          </a:xfrm>
+          <a:prstGeom prst="rect">
+            <a:avLst/>
+          </a:prstGeom>
+          <a:noFill/>
+        </p:spPr>
+        <p:txBody>
+          <a:bodyPr wrap="none" rtlCol="0">
+            <a:spAutoFit/>
+          </a:bodyPr>
+          <a:lstStyle/>
+          <a:p>
+            <a:r>
+              <a:rPr lang="en-US" sz="2800" b="1" dirty="0" smtClean="0"/>
+              <a:t>B-field, </a:t>
+            </a:r>
+            <a:r>
+              <a:rPr lang="en-US" sz="2800" b="1" dirty="0" err="1" smtClean="0"/>
+              <a:t>V_drift</a:t>
+            </a:r>
+            <a:r>
+              <a:rPr lang="en-US" sz="2800" b="1" smtClean="0"/>
+              <a:t> Variations</a:t>
+            </a:r>
+            <a:endParaRPr lang="en-US" sz="2800" dirty="0"/>
+          </a:p>
+        </p:txBody>
+      </p:sp>
+      <p:pic>
+        <p:nvPicPr>
+          <p:cNvPr id="8" name="Picture 7"/>
+          <p:cNvPicPr>
+            <a:picLocks noChangeAspect="1"/>
+          </p:cNvPicPr>
+          <p:nvPr/>
+        </p:nvPicPr>
+        <p:blipFill>
+          <a:blip r:embed="rId2"/>
+          <a:stretch>
+            <a:fillRect/>
+          </a:stretch>
+        </p:blipFill>
+        <p:spPr>
+          <a:xfrm>
+            <a:off x="84135" y="654920"/>
+            <a:ext cx="8118572" cy="6203079"/>
+          </a:xfrm>
+          <a:prstGeom prst="rect">
+            <a:avLst/>
+          </a:prstGeom>
+        </p:spPr>
+      </p:pic>
+      <p:sp>
+        <p:nvSpPr>
+          <p:cNvPr id="7" name="Rectangle 6"/>
+          <p:cNvSpPr/>
+          <p:nvPr/>
+        </p:nvSpPr>
+        <p:spPr>
+          <a:xfrm>
+            <a:off x="1183341" y="4738318"/>
+            <a:ext cx="4572000" cy="1200329"/>
+          </a:xfrm>
+          <a:prstGeom prst="rect">
+            <a:avLst/>
+          </a:prstGeom>
+        </p:spPr>
+        <p:txBody>
+          <a:bodyPr>
+            <a:spAutoFit/>
+          </a:bodyPr>
+          <a:lstStyle/>
+          <a:p>
+            <a:r>
+              <a:rPr lang="hr-HR" dirty="0"/>
+              <a:t>B = 3.8T, V = 4.5kV, </a:t>
+            </a:r>
+            <a:r>
+              <a:rPr lang="hr-HR" dirty="0" err="1"/>
+              <a:t>phi_max</a:t>
+            </a:r>
+            <a:r>
+              <a:rPr lang="hr-HR" dirty="0"/>
+              <a:t>: 0.769212</a:t>
+            </a:r>
+          </a:p>
+          <a:p>
+            <a:r>
+              <a:rPr lang="hr-HR" dirty="0"/>
+              <a:t>B = 4T , V= 4.5kV, </a:t>
+            </a:r>
+            <a:r>
+              <a:rPr lang="hr-HR" dirty="0" err="1"/>
+              <a:t>phi_max</a:t>
+            </a:r>
+            <a:r>
+              <a:rPr lang="hr-HR" dirty="0"/>
+              <a:t>: 0.812433</a:t>
+            </a:r>
+          </a:p>
+          <a:p>
+            <a:r>
+              <a:rPr lang="hr-HR" dirty="0"/>
+              <a:t>B = 4.5T, V=4.5kV, </a:t>
+            </a:r>
+            <a:r>
+              <a:rPr lang="hr-HR" dirty="0" err="1"/>
+              <a:t>phi_max</a:t>
+            </a:r>
+            <a:r>
+              <a:rPr lang="hr-HR" dirty="0"/>
+              <a:t>: 0.918956</a:t>
+            </a:r>
+          </a:p>
+          <a:p>
+            <a:r>
+              <a:rPr lang="fr-FR" dirty="0"/>
+              <a:t>B = 3.8 </a:t>
+            </a:r>
+            <a:r>
+              <a:rPr lang="fr-FR" dirty="0" err="1"/>
+              <a:t>T</a:t>
+            </a:r>
+            <a:r>
+              <a:rPr lang="fr-FR" dirty="0"/>
+              <a:t>, V=4635V, </a:t>
+            </a:r>
+            <a:r>
+              <a:rPr lang="fr-FR" dirty="0" err="1"/>
+              <a:t>phi_max</a:t>
+            </a:r>
+            <a:r>
+              <a:rPr lang="fr-FR" dirty="0"/>
+              <a:t>: 0.772162</a:t>
+            </a:r>
+            <a:endParaRPr lang="en-US" dirty="0"/>
+          </a:p>
+        </p:txBody>
+      </p:sp>
+    </p:spTree>
+    <p:extLst>
+      <p:ext uri="{BB962C8B-B14F-4D97-AF65-F5344CB8AC3E}">
+        <p14:creationId xmlns:p14="http://schemas.microsoft.com/office/powerpoint/2010/main" val="1562770094"/>
       </p:ext>
     </p:extLst>
   </p:cSld>

--- a/dms/change_analysis.pptx
+++ b/dms/change_analysis.pptx
@@ -3311,7 +3311,6 @@
               <a:rPr lang="en-US" dirty="0"/>
               <a:t>: 0.728091</a:t>
             </a:r>
-            <a:endParaRPr lang="en-US" dirty="0"/>
           </a:p>
         </p:txBody>
       </p:sp>
@@ -3426,76 +3425,8 @@
           <a:lstStyle/>
           <a:p>
             <a:r>
-              <a:rPr lang="mr-IN" dirty="0" err="1">
-                <a:latin typeface="Calibri" charset="0"/>
-                <a:ea typeface="Calibri" charset="0"/>
-                <a:cs typeface="Calibri" charset="0"/>
-              </a:rPr>
-              <a:t>P</a:t>
-            </a:r>
-            <a:r>
-              <a:rPr lang="mr-IN" dirty="0">
-                <a:latin typeface="Calibri" charset="0"/>
-                <a:ea typeface="Calibri" charset="0"/>
-                <a:cs typeface="Calibri" charset="0"/>
-              </a:rPr>
-              <a:t> = 765, </a:t>
-            </a:r>
-            <a:r>
-              <a:rPr lang="mr-IN" dirty="0" err="1">
-                <a:latin typeface="Calibri" charset="0"/>
-                <a:ea typeface="Calibri" charset="0"/>
-                <a:cs typeface="Calibri" charset="0"/>
-              </a:rPr>
-              <a:t>t_max</a:t>
-            </a:r>
-            <a:r>
-              <a:rPr lang="mr-IN" dirty="0">
-                <a:latin typeface="Calibri" charset="0"/>
-                <a:ea typeface="Calibri" charset="0"/>
-                <a:cs typeface="Calibri" charset="0"/>
-              </a:rPr>
-              <a:t>: 3010.88</a:t>
-            </a:r>
-          </a:p>
-          <a:p>
-            <a:r>
-              <a:rPr lang="mr-IN" dirty="0" err="1">
-                <a:latin typeface="Calibri" charset="0"/>
-                <a:ea typeface="Calibri" charset="0"/>
-                <a:cs typeface="Calibri" charset="0"/>
-              </a:rPr>
-              <a:t>P</a:t>
-            </a:r>
-            <a:r>
-              <a:rPr lang="mr-IN" dirty="0">
-                <a:latin typeface="Calibri" charset="0"/>
-                <a:ea typeface="Calibri" charset="0"/>
-                <a:cs typeface="Calibri" charset="0"/>
-              </a:rPr>
-              <a:t> = 760, </a:t>
-            </a:r>
-            <a:r>
-              <a:rPr lang="mr-IN" dirty="0" err="1">
-                <a:latin typeface="Calibri" charset="0"/>
-                <a:ea typeface="Calibri" charset="0"/>
-                <a:cs typeface="Calibri" charset="0"/>
-              </a:rPr>
-              <a:t>t_max</a:t>
-            </a:r>
-            <a:r>
-              <a:rPr lang="mr-IN" dirty="0">
-                <a:latin typeface="Calibri" charset="0"/>
-                <a:ea typeface="Calibri" charset="0"/>
-                <a:cs typeface="Calibri" charset="0"/>
-              </a:rPr>
-              <a:t>: 3014.41</a:t>
-            </a:r>
-          </a:p>
-          <a:p>
-            <a:r>
               <a:rPr lang="en-US" dirty="0"/>
-              <a:t>P = 755, </a:t>
+              <a:t>P = 765, </a:t>
             </a:r>
             <a:r>
               <a:rPr lang="en-US" dirty="0" err="1"/>
@@ -3503,7 +3434,35 @@
             </a:r>
             <a:r>
               <a:rPr lang="en-US" dirty="0"/>
-              <a:t>: 3022</a:t>
+              <a:t>: 2870.29</a:t>
+            </a:r>
+          </a:p>
+          <a:p>
+            <a:r>
+              <a:rPr lang="en-US" dirty="0"/>
+              <a:t>P = 760, </a:t>
+            </a:r>
+            <a:r>
+              <a:rPr lang="en-US" dirty="0" err="1"/>
+              <a:t>t_max</a:t>
+            </a:r>
+            <a:r>
+              <a:rPr lang="en-US" dirty="0"/>
+              <a:t>: 2870.61</a:t>
+            </a:r>
+          </a:p>
+          <a:p>
+            <a:r>
+              <a:rPr lang="tr-TR" dirty="0"/>
+              <a:t>P = 755, </a:t>
+            </a:r>
+            <a:r>
+              <a:rPr lang="tr-TR" dirty="0" err="1"/>
+              <a:t>t_max</a:t>
+            </a:r>
+            <a:r>
+              <a:rPr lang="tr-TR" dirty="0"/>
+              <a:t>: 2853.88</a:t>
             </a:r>
           </a:p>
           <a:p>
@@ -3517,7 +3476,7 @@
             </a:r>
             <a:r>
               <a:rPr lang="en-US" dirty="0"/>
-              <a:t>: 3014.21</a:t>
+              <a:t>: 2944.57</a:t>
             </a:r>
           </a:p>
           <a:p>
@@ -3535,7 +3494,7 @@
             </a:r>
             <a:r>
               <a:rPr lang="en-US" dirty="0" smtClean="0"/>
-              <a:t>3012.23</a:t>
+              <a:t>2864.98</a:t>
             </a:r>
             <a:endParaRPr lang="en-US" dirty="0"/>
           </a:p>
@@ -3571,43 +3530,9 @@
           <a:chExt cx="0" cy="0"/>
         </a:xfrm>
       </p:grpSpPr>
-      <p:sp>
-        <p:nvSpPr>
-          <p:cNvPr id="3" name="TextBox 2"/>
-          <p:cNvSpPr txBox="1"/>
-          <p:nvPr/>
-        </p:nvSpPr>
-        <p:spPr>
-          <a:xfrm>
-            <a:off x="0" y="124149"/>
-            <a:ext cx="3572966" cy="523220"/>
-          </a:xfrm>
-          <a:prstGeom prst="rect">
-            <a:avLst/>
-          </a:prstGeom>
-          <a:noFill/>
-        </p:spPr>
-        <p:txBody>
-          <a:bodyPr wrap="none" rtlCol="0">
-            <a:spAutoFit/>
-          </a:bodyPr>
-          <a:lstStyle/>
-          <a:p>
-            <a:r>
-              <a:rPr lang="en-US" sz="2800" b="1" dirty="0"/>
-              <a:t>1</a:t>
-            </a:r>
-            <a:r>
-              <a:rPr lang="en-US" sz="2800" b="1" dirty="0" smtClean="0"/>
-              <a:t>% Pressure Variations</a:t>
-            </a:r>
-            <a:endParaRPr lang="en-US" sz="2800" dirty="0"/>
-          </a:p>
-        </p:txBody>
-      </p:sp>
       <p:pic>
         <p:nvPicPr>
-          <p:cNvPr id="2" name="Picture 1"/>
+          <p:cNvPr id="4" name="Picture 3"/>
           <p:cNvPicPr>
             <a:picLocks noChangeAspect="1"/>
           </p:cNvPicPr>
@@ -3621,14 +3546,48 @@
         </p:blipFill>
         <p:spPr>
           <a:xfrm>
-            <a:off x="94130" y="759500"/>
-            <a:ext cx="8404412" cy="6001612"/>
+            <a:off x="0" y="16435"/>
+            <a:ext cx="9144000" cy="6825129"/>
           </a:xfrm>
           <a:prstGeom prst="rect">
             <a:avLst/>
           </a:prstGeom>
         </p:spPr>
       </p:pic>
+      <p:sp>
+        <p:nvSpPr>
+          <p:cNvPr id="3" name="TextBox 2"/>
+          <p:cNvSpPr txBox="1"/>
+          <p:nvPr/>
+        </p:nvSpPr>
+        <p:spPr>
+          <a:xfrm>
+            <a:off x="0" y="124149"/>
+            <a:ext cx="3572966" cy="523220"/>
+          </a:xfrm>
+          <a:prstGeom prst="rect">
+            <a:avLst/>
+          </a:prstGeom>
+          <a:noFill/>
+        </p:spPr>
+        <p:txBody>
+          <a:bodyPr wrap="none" rtlCol="0">
+            <a:spAutoFit/>
+          </a:bodyPr>
+          <a:lstStyle/>
+          <a:p>
+            <a:r>
+              <a:rPr lang="en-US" sz="2800" b="1" dirty="0"/>
+              <a:t>1</a:t>
+            </a:r>
+            <a:r>
+              <a:rPr lang="en-US" sz="2800" b="1" dirty="0" smtClean="0"/>
+              <a:t>% Pressure Variations</a:t>
+            </a:r>
+            <a:endParaRPr lang="en-US" sz="2800" dirty="0"/>
+          </a:p>
+        </p:txBody>
+      </p:sp>
       <p:sp>
         <p:nvSpPr>
           <p:cNvPr id="11" name="Rectangle 10"/>
@@ -3660,7 +3619,7 @@
             </a:r>
             <a:r>
               <a:rPr lang="en-US" dirty="0"/>
-              <a:t>: 0.805438</a:t>
+              <a:t>: 0.765184</a:t>
             </a:r>
           </a:p>
           <a:p>
@@ -3674,7 +3633,7 @@
             </a:r>
             <a:r>
               <a:rPr lang="en-US" dirty="0"/>
-              <a:t>: 0.811303</a:t>
+              <a:t>: 0.768699</a:t>
             </a:r>
           </a:p>
           <a:p>
@@ -3688,7 +3647,7 @@
             </a:r>
             <a:r>
               <a:rPr lang="en-US" dirty="0"/>
-              <a:t>: 0.816793</a:t>
+              <a:t>: 0.777048</a:t>
             </a:r>
           </a:p>
           <a:p>
@@ -3702,7 +3661,7 @@
             </a:r>
             <a:r>
               <a:rPr lang="en-US" dirty="0"/>
-              <a:t>: 0.828844</a:t>
+              <a:t>: 0.779225</a:t>
             </a:r>
           </a:p>
           <a:p>
@@ -3716,7 +3675,7 @@
             </a:r>
             <a:r>
               <a:rPr lang="en-US" dirty="0"/>
-              <a:t>: 0.824742</a:t>
+              <a:t>: 0.779816</a:t>
             </a:r>
             <a:endParaRPr lang="en-US" dirty="0"/>
           </a:p>
